--- a/Lecture 5/lecture5.pptx
+++ b/Lecture 5/lecture5.pptx
@@ -163,7 +163,7 @@
   </p:defaultTextStyle>
   <p:extLst>
     <p:ext uri="{EFAFB233-063F-42B5-8137-9DF3F51BA10A}">
-      <p15:sldGuideLst xmlns:p15="http://schemas.microsoft.com/office/powerpoint/2012/main" xmlns="">
+      <p15:sldGuideLst xmlns="" xmlns:p15="http://schemas.microsoft.com/office/powerpoint/2012/main">
         <p15:guide id="1" orient="horz" pos="2160" userDrawn="1">
           <p15:clr>
             <a:srgbClr val="A4A3A4"/>
@@ -177,7 +177,7 @@
       </p15:sldGuideLst>
     </p:ext>
     <p:ext uri="{2D200454-40CA-4A62-9FC3-DE9A4176ACB9}">
-      <p15:notesGuideLst xmlns:p15="http://schemas.microsoft.com/office/powerpoint/2012/main" xmlns="">
+      <p15:notesGuideLst xmlns="" xmlns:p15="http://schemas.microsoft.com/office/powerpoint/2012/main">
         <p15:guide id="1" orient="horz" pos="2880">
           <p15:clr>
             <a:srgbClr val="A4A3A4"/>
@@ -285,7 +285,7 @@
             <a:fld id="{B4B40DF5-17F0-43C5-A7AE-65A758E8AB63}" type="datetimeFigureOut">
               <a:rPr lang="nl-NL" smtClean="0"/>
               <a:pPr/>
-              <a:t>3/2/21</a:t>
+              <a:t>3/10/21</a:t>
             </a:fld>
             <a:endParaRPr lang="nl-NL"/>
           </a:p>
@@ -451,7 +451,7 @@
           <a:p>
             <a:fld id="{A93D6BD4-2A44-460F-8349-CDAFC499EC45}" type="datetimeFigureOut">
               <a:rPr lang="en-US" smtClean="0"/>
-              <a:t>3/2/21</a:t>
+              <a:t>3/10/21</a:t>
             </a:fld>
             <a:endParaRPr lang="en-US"/>
           </a:p>
@@ -7104,7 +7104,31 @@
                   <a:schemeClr val="tx2"/>
                 </a:solidFill>
               </a:rPr>
-              <a:t>The arguments object is a local variable available within all functions. </a:t>
+              <a:t>The arguments object is a local variable available within all </a:t>
+            </a:r>
+            <a:r>
+              <a:rPr lang="en-US" sz="1600" dirty="0" smtClean="0">
+                <a:solidFill>
+                  <a:srgbClr val="FFFF00"/>
+                </a:solidFill>
+              </a:rPr>
+              <a:t>non-arrow</a:t>
+            </a:r>
+            <a:r>
+              <a:rPr lang="en-US" sz="1600" dirty="0" smtClean="0">
+                <a:solidFill>
+                  <a:schemeClr val="tx2"/>
+                </a:solidFill>
+              </a:rPr>
+              <a:t> functions</a:t>
+            </a:r>
+            <a:r>
+              <a:rPr lang="en-US" sz="1600" dirty="0">
+                <a:solidFill>
+                  <a:schemeClr val="tx2"/>
+                </a:solidFill>
+              </a:rPr>
+              <a:t>. </a:t>
             </a:r>
           </a:p>
           <a:p>
@@ -8006,17 +8030,7 @@
                 <a:latin typeface="Courier New" panose="02070309020205020404" pitchFamily="49" charset="0"/>
                 <a:cs typeface="Courier New" panose="02070309020205020404" pitchFamily="49" charset="0"/>
               </a:rPr>
-              <a:t>total </a:t>
-            </a:r>
-            <a:r>
-              <a:rPr lang="en-US" sz="1600" dirty="0" smtClean="0">
-                <a:solidFill>
-                  <a:schemeClr val="tx2"/>
-                </a:solidFill>
-                <a:latin typeface="Courier New" panose="02070309020205020404" pitchFamily="49" charset="0"/>
-                <a:cs typeface="Courier New" panose="02070309020205020404" pitchFamily="49" charset="0"/>
-              </a:rPr>
-              <a:t>+</a:t>
+              <a:t>total +</a:t>
             </a:r>
             <a:r>
               <a:rPr lang="en-US" sz="1600" dirty="0">
@@ -10263,7 +10277,11 @@
               <a:defRPr/>
             </a:pPr>
             <a:r>
-              <a:rPr lang="en-US" sz="1600" dirty="0"/>
+              <a:rPr lang="en-US" sz="1600" dirty="0">
+                <a:solidFill>
+                  <a:srgbClr val="FFFF00"/>
+                </a:solidFill>
+              </a:rPr>
               <a:t>Variable assignment functions should include a statement terminator.</a:t>
             </a:r>
           </a:p>
@@ -10596,6 +10614,9 @@
             </a:pPr>
             <a:r>
               <a:rPr lang="pt-BR" sz="1600" dirty="0" err="1">
+                <a:solidFill>
+                  <a:srgbClr val="FFFF00"/>
+                </a:solidFill>
                 <a:latin typeface="Courier New" panose="02070309020205020404" pitchFamily="49" charset="0"/>
                 <a:cs typeface="Courier New" panose="02070309020205020404" pitchFamily="49" charset="0"/>
               </a:rPr>
@@ -10603,6 +10624,9 @@
             </a:r>
             <a:r>
               <a:rPr lang="pt-BR" sz="1600" dirty="0">
+                <a:solidFill>
+                  <a:srgbClr val="FFFF00"/>
+                </a:solidFill>
                 <a:latin typeface="Courier New" panose="02070309020205020404" pitchFamily="49" charset="0"/>
                 <a:cs typeface="Courier New" panose="02070309020205020404" pitchFamily="49" charset="0"/>
               </a:rPr>
@@ -10610,6 +10634,9 @@
             </a:r>
             <a:r>
               <a:rPr lang="pt-BR" sz="1600" dirty="0" err="1">
+                <a:solidFill>
+                  <a:srgbClr val="FFFF00"/>
+                </a:solidFill>
                 <a:latin typeface="Courier New" panose="02070309020205020404" pitchFamily="49" charset="0"/>
                 <a:cs typeface="Courier New" panose="02070309020205020404" pitchFamily="49" charset="0"/>
               </a:rPr>
@@ -10617,6 +10644,9 @@
             </a:r>
             <a:r>
               <a:rPr lang="pt-BR" sz="1600" dirty="0">
+                <a:solidFill>
+                  <a:srgbClr val="FFFF00"/>
+                </a:solidFill>
                 <a:latin typeface="Courier New" panose="02070309020205020404" pitchFamily="49" charset="0"/>
                 <a:cs typeface="Courier New" panose="02070309020205020404" pitchFamily="49" charset="0"/>
               </a:rPr>
@@ -10624,6 +10654,9 @@
             </a:r>
             <a:r>
               <a:rPr lang="pt-BR" sz="1600" dirty="0" err="1">
+                <a:solidFill>
+                  <a:srgbClr val="FFFF00"/>
+                </a:solidFill>
                 <a:latin typeface="Courier New" panose="02070309020205020404" pitchFamily="49" charset="0"/>
                 <a:cs typeface="Courier New" panose="02070309020205020404" pitchFamily="49" charset="0"/>
               </a:rPr>
@@ -10631,6 +10664,9 @@
             </a:r>
             <a:r>
               <a:rPr lang="pt-BR" sz="1600" dirty="0">
+                <a:solidFill>
+                  <a:srgbClr val="FFFF00"/>
+                </a:solidFill>
                 <a:latin typeface="Courier New" panose="02070309020205020404" pitchFamily="49" charset="0"/>
                 <a:cs typeface="Courier New" panose="02070309020205020404" pitchFamily="49" charset="0"/>
               </a:rPr>
@@ -10638,6 +10674,9 @@
             </a:r>
             <a:r>
               <a:rPr lang="pt-BR" sz="1600" dirty="0" err="1">
+                <a:solidFill>
+                  <a:srgbClr val="FFFF00"/>
+                </a:solidFill>
                 <a:latin typeface="Courier New" panose="02070309020205020404" pitchFamily="49" charset="0"/>
                 <a:cs typeface="Courier New" panose="02070309020205020404" pitchFamily="49" charset="0"/>
               </a:rPr>
@@ -10645,6 +10684,9 @@
             </a:r>
             <a:r>
               <a:rPr lang="pt-BR" sz="1600" dirty="0">
+                <a:solidFill>
+                  <a:srgbClr val="FFFF00"/>
+                </a:solidFill>
                 <a:latin typeface="Courier New" panose="02070309020205020404" pitchFamily="49" charset="0"/>
                 <a:cs typeface="Courier New" panose="02070309020205020404" pitchFamily="49" charset="0"/>
               </a:rPr>
@@ -10652,6 +10694,9 @@
             </a:r>
             <a:r>
               <a:rPr lang="pt-BR" sz="1600" dirty="0" err="1" smtClean="0">
+                <a:solidFill>
+                  <a:srgbClr val="FFFF00"/>
+                </a:solidFill>
                 <a:latin typeface="Courier New" panose="02070309020205020404" pitchFamily="49" charset="0"/>
                 <a:cs typeface="Courier New" panose="02070309020205020404" pitchFamily="49" charset="0"/>
               </a:rPr>
@@ -10659,6 +10704,9 @@
             </a:r>
             <a:r>
               <a:rPr lang="pt-BR" sz="1600" dirty="0" smtClean="0">
+                <a:solidFill>
+                  <a:srgbClr val="FFFF00"/>
+                </a:solidFill>
                 <a:latin typeface="Courier New" panose="02070309020205020404" pitchFamily="49" charset="0"/>
                 <a:cs typeface="Courier New" panose="02070309020205020404" pitchFamily="49" charset="0"/>
               </a:rPr>
@@ -10666,6 +10714,9 @@
             </a:r>
             <a:r>
               <a:rPr lang="pt-BR" sz="1600" dirty="0" err="1" smtClean="0">
+                <a:solidFill>
+                  <a:srgbClr val="FFFF00"/>
+                </a:solidFill>
                 <a:latin typeface="Courier New" panose="02070309020205020404" pitchFamily="49" charset="0"/>
                 <a:cs typeface="Courier New" panose="02070309020205020404" pitchFamily="49" charset="0"/>
               </a:rPr>
@@ -10673,6 +10724,9 @@
             </a:r>
             <a:r>
               <a:rPr lang="pt-BR" sz="1600" dirty="0" smtClean="0">
+                <a:solidFill>
+                  <a:srgbClr val="FFFF00"/>
+                </a:solidFill>
                 <a:latin typeface="Courier New" panose="02070309020205020404" pitchFamily="49" charset="0"/>
                 <a:cs typeface="Courier New" panose="02070309020205020404" pitchFamily="49" charset="0"/>
               </a:rPr>
@@ -10680,6 +10734,9 @@
             </a:r>
             <a:r>
               <a:rPr lang="pt-BR" sz="1600" dirty="0" err="1" smtClean="0">
+                <a:solidFill>
+                  <a:srgbClr val="FFFF00"/>
+                </a:solidFill>
                 <a:latin typeface="Courier New" panose="02070309020205020404" pitchFamily="49" charset="0"/>
                 <a:cs typeface="Courier New" panose="02070309020205020404" pitchFamily="49" charset="0"/>
               </a:rPr>
@@ -10687,6 +10744,9 @@
             </a:r>
             <a:r>
               <a:rPr lang="pt-BR" sz="1600" dirty="0" smtClean="0">
+                <a:solidFill>
+                  <a:srgbClr val="FFFF00"/>
+                </a:solidFill>
                 <a:latin typeface="Courier New" panose="02070309020205020404" pitchFamily="49" charset="0"/>
                 <a:cs typeface="Courier New" panose="02070309020205020404" pitchFamily="49" charset="0"/>
               </a:rPr>
@@ -10694,6 +10754,9 @@
             </a:r>
             <a:r>
               <a:rPr lang="pt-BR" sz="1600" dirty="0" err="1" smtClean="0">
+                <a:solidFill>
+                  <a:srgbClr val="FFFF00"/>
+                </a:solidFill>
                 <a:latin typeface="Courier New" panose="02070309020205020404" pitchFamily="49" charset="0"/>
                 <a:cs typeface="Courier New" panose="02070309020205020404" pitchFamily="49" charset="0"/>
               </a:rPr>
@@ -10701,6 +10764,9 @@
             </a:r>
             <a:r>
               <a:rPr lang="pt-BR" sz="1600" dirty="0" smtClean="0">
+                <a:solidFill>
+                  <a:srgbClr val="FFFF00"/>
+                </a:solidFill>
                 <a:latin typeface="Courier New" panose="02070309020205020404" pitchFamily="49" charset="0"/>
                 <a:cs typeface="Courier New" panose="02070309020205020404" pitchFamily="49" charset="0"/>
               </a:rPr>
@@ -10708,6 +10774,9 @@
             </a:r>
             <a:r>
               <a:rPr lang="pt-BR" sz="1600" dirty="0" err="1" smtClean="0">
+                <a:solidFill>
+                  <a:srgbClr val="FFFF00"/>
+                </a:solidFill>
                 <a:latin typeface="Courier New" panose="02070309020205020404" pitchFamily="49" charset="0"/>
                 <a:cs typeface="Courier New" panose="02070309020205020404" pitchFamily="49" charset="0"/>
               </a:rPr>
@@ -10715,6 +10784,9 @@
             </a:r>
             <a:r>
               <a:rPr lang="pt-BR" sz="1600" dirty="0" smtClean="0">
+                <a:solidFill>
+                  <a:srgbClr val="FFFF00"/>
+                </a:solidFill>
                 <a:latin typeface="Courier New" panose="02070309020205020404" pitchFamily="49" charset="0"/>
                 <a:cs typeface="Courier New" panose="02070309020205020404" pitchFamily="49" charset="0"/>
               </a:rPr>
@@ -10722,6 +10794,9 @@
             </a:r>
             <a:r>
               <a:rPr lang="pt-BR" sz="1600" dirty="0" err="1" smtClean="0">
+                <a:solidFill>
+                  <a:srgbClr val="FFFF00"/>
+                </a:solidFill>
                 <a:latin typeface="Courier New" panose="02070309020205020404" pitchFamily="49" charset="0"/>
                 <a:cs typeface="Courier New" panose="02070309020205020404" pitchFamily="49" charset="0"/>
               </a:rPr>
@@ -10729,6 +10804,9 @@
             </a:r>
             <a:r>
               <a:rPr lang="pt-BR" sz="1600" dirty="0" smtClean="0">
+                <a:solidFill>
+                  <a:srgbClr val="FFFF00"/>
+                </a:solidFill>
                 <a:latin typeface="Courier New" panose="02070309020205020404" pitchFamily="49" charset="0"/>
                 <a:cs typeface="Courier New" panose="02070309020205020404" pitchFamily="49" charset="0"/>
               </a:rPr>
@@ -10736,6 +10814,9 @@
             </a:r>
             <a:r>
               <a:rPr lang="pt-BR" sz="1600" dirty="0" err="1" smtClean="0">
+                <a:solidFill>
+                  <a:srgbClr val="FFFF00"/>
+                </a:solidFill>
                 <a:latin typeface="Courier New" panose="02070309020205020404" pitchFamily="49" charset="0"/>
                 <a:cs typeface="Courier New" panose="02070309020205020404" pitchFamily="49" charset="0"/>
               </a:rPr>
@@ -10743,6 +10824,9 @@
             </a:r>
             <a:r>
               <a:rPr lang="pt-BR" sz="1600" dirty="0" smtClean="0">
+                <a:solidFill>
+                  <a:srgbClr val="FFFF00"/>
+                </a:solidFill>
                 <a:latin typeface="Courier New" panose="02070309020205020404" pitchFamily="49" charset="0"/>
                 <a:cs typeface="Courier New" panose="02070309020205020404" pitchFamily="49" charset="0"/>
               </a:rPr>
@@ -10750,6 +10834,9 @@
             </a:r>
             <a:r>
               <a:rPr lang="pt-BR" sz="1600" dirty="0" err="1" smtClean="0">
+                <a:solidFill>
+                  <a:srgbClr val="FFFF00"/>
+                </a:solidFill>
                 <a:latin typeface="Courier New" panose="02070309020205020404" pitchFamily="49" charset="0"/>
                 <a:cs typeface="Courier New" panose="02070309020205020404" pitchFamily="49" charset="0"/>
               </a:rPr>
@@ -10757,6 +10844,9 @@
             </a:r>
             <a:r>
               <a:rPr lang="pt-BR" sz="1600" dirty="0" smtClean="0">
+                <a:solidFill>
+                  <a:srgbClr val="FFFF00"/>
+                </a:solidFill>
                 <a:latin typeface="Courier New" panose="02070309020205020404" pitchFamily="49" charset="0"/>
                 <a:cs typeface="Courier New" panose="02070309020205020404" pitchFamily="49" charset="0"/>
               </a:rPr>
@@ -10764,6 +10854,9 @@
             </a:r>
             <a:r>
               <a:rPr lang="pt-BR" sz="1600" dirty="0" err="1" smtClean="0">
+                <a:solidFill>
+                  <a:srgbClr val="FFFF00"/>
+                </a:solidFill>
                 <a:latin typeface="Courier New" panose="02070309020205020404" pitchFamily="49" charset="0"/>
                 <a:cs typeface="Courier New" panose="02070309020205020404" pitchFamily="49" charset="0"/>
               </a:rPr>
@@ -10771,7 +10864,7 @@
             </a:r>
             <a:endParaRPr lang="en-US" sz="1600" dirty="0">
               <a:solidFill>
-                <a:srgbClr val="FF0000"/>
+                <a:srgbClr val="FFFF00"/>
               </a:solidFill>
               <a:latin typeface="Courier New" panose="02070309020205020404" pitchFamily="49" charset="0"/>
               <a:cs typeface="Courier New" panose="02070309020205020404" pitchFamily="49" charset="0"/>
@@ -11625,8 +11718,58 @@
             </a:r>
             <a:r>
               <a:rPr lang="en-US" sz="1600" dirty="0"/>
-              <a:t> keyword (it’s implicit in arrow functions), and curly braces.</a:t>
-            </a:r>
+              <a:t> keyword (it’s implicit in arrow functions), and curly braces</a:t>
+            </a:r>
+            <a:r>
+              <a:rPr lang="en-US" sz="1600" dirty="0" smtClean="0"/>
+              <a:t>.</a:t>
+            </a:r>
+          </a:p>
+          <a:p>
+            <a:pPr marL="457200" indent="-457200">
+              <a:buFont typeface="Wingdings" panose="05000000000000000000" pitchFamily="2" charset="2"/>
+              <a:buChar char="v"/>
+              <a:defRPr/>
+            </a:pPr>
+            <a:endParaRPr lang="en-US" sz="1600" dirty="0"/>
+          </a:p>
+          <a:p>
+            <a:pPr marL="457200" indent="-457200">
+              <a:buFont typeface="Wingdings" panose="05000000000000000000" pitchFamily="2" charset="2"/>
+              <a:buChar char="v"/>
+              <a:defRPr/>
+            </a:pPr>
+            <a:r>
+              <a:rPr lang="en-US" sz="1600" dirty="0" smtClean="0">
+                <a:solidFill>
+                  <a:srgbClr val="FFFF00"/>
+                </a:solidFill>
+              </a:rPr>
+              <a:t>Arrow functions cannot access the </a:t>
+            </a:r>
+            <a:r>
+              <a:rPr lang="en-US" sz="1600" dirty="0" smtClean="0">
+                <a:solidFill>
+                  <a:srgbClr val="FFFF00"/>
+                </a:solidFill>
+                <a:latin typeface="Courier New"/>
+                <a:cs typeface="Courier New"/>
+              </a:rPr>
+              <a:t>arguments</a:t>
+            </a:r>
+            <a:r>
+              <a:rPr lang="en-US" sz="1600" dirty="0" smtClean="0">
+                <a:solidFill>
+                  <a:srgbClr val="FFFF00"/>
+                </a:solidFill>
+              </a:rPr>
+              <a:t> object!</a:t>
+            </a:r>
+            <a:endParaRPr lang="en-US" sz="1600" dirty="0">
+              <a:solidFill>
+                <a:srgbClr val="FFFF00"/>
+              </a:solidFill>
+            </a:endParaRPr>
           </a:p>
         </p:txBody>
       </p:sp>
@@ -11885,7 +12028,7 @@
           <p:cNvPr id="6" name="Text Placeholder 6">
             <a:extLst>
               <a:ext uri="{FF2B5EF4-FFF2-40B4-BE49-F238E27FC236}">
-                <a16:creationId xmlns:a16="http://schemas.microsoft.com/office/drawing/2014/main" xmlns="" id="{3B4771CB-5B61-45A6-A318-403F600EFF7A}"/>
+                <a16:creationId xmlns="" xmlns:a16="http://schemas.microsoft.com/office/drawing/2014/main" id="{3B4771CB-5B61-45A6-A318-403F600EFF7A}"/>
               </a:ext>
             </a:extLst>
           </p:cNvPr>
@@ -12472,7 +12615,21 @@
                 <a:latin typeface="Courier New" panose="02070309020205020404" pitchFamily="49" charset="0"/>
                 <a:cs typeface="Courier New" panose="02070309020205020404" pitchFamily="49" charset="0"/>
               </a:rPr>
-              <a:t>const sum = (num1, num2) =&gt; num1 * num2;</a:t>
+              <a:t>const sum = (num1, num2) =&gt; num1 </a:t>
+            </a:r>
+            <a:r>
+              <a:rPr lang="en-US" sz="1600" dirty="0" smtClean="0">
+                <a:latin typeface="Courier New" panose="02070309020205020404" pitchFamily="49" charset="0"/>
+                <a:cs typeface="Courier New" panose="02070309020205020404" pitchFamily="49" charset="0"/>
+              </a:rPr>
+              <a:t>+ </a:t>
+            </a:r>
+            <a:r>
+              <a:rPr lang="en-US" sz="1600" dirty="0">
+                <a:latin typeface="Courier New" panose="02070309020205020404" pitchFamily="49" charset="0"/>
+                <a:cs typeface="Courier New" panose="02070309020205020404" pitchFamily="49" charset="0"/>
+              </a:rPr>
+              <a:t>num2;</a:t>
             </a:r>
             <a:br>
               <a:rPr lang="en-US" sz="1600" dirty="0">
@@ -13527,7 +13684,7 @@
           <p:cNvPr id="6" name="Oval 5">
             <a:extLst>
               <a:ext uri="{FF2B5EF4-FFF2-40B4-BE49-F238E27FC236}">
-                <a16:creationId xmlns:a16="http://schemas.microsoft.com/office/drawing/2014/main" xmlns="" id="{5E2B26C3-02FB-4932-8E3C-C6F38D8FCB26}"/>
+                <a16:creationId xmlns="" xmlns:a16="http://schemas.microsoft.com/office/drawing/2014/main" id="{5E2B26C3-02FB-4932-8E3C-C6F38D8FCB26}"/>
               </a:ext>
             </a:extLst>
           </p:cNvPr>
@@ -13579,7 +13736,7 @@
           <p:cNvPr id="8" name="Oval 7">
             <a:extLst>
               <a:ext uri="{FF2B5EF4-FFF2-40B4-BE49-F238E27FC236}">
-                <a16:creationId xmlns:a16="http://schemas.microsoft.com/office/drawing/2014/main" xmlns="" id="{962CE456-96FF-4BBA-9913-6AE1EC717CC6}"/>
+                <a16:creationId xmlns="" xmlns:a16="http://schemas.microsoft.com/office/drawing/2014/main" id="{962CE456-96FF-4BBA-9913-6AE1EC717CC6}"/>
               </a:ext>
             </a:extLst>
           </p:cNvPr>
@@ -13687,7 +13844,7 @@
           <p:cNvPr id="9" name="Oval 8">
             <a:extLst>
               <a:ext uri="{FF2B5EF4-FFF2-40B4-BE49-F238E27FC236}">
-                <a16:creationId xmlns:a16="http://schemas.microsoft.com/office/drawing/2014/main" xmlns="" id="{9255B662-7EF7-49B8-9609-DCAA2E2E2F16}"/>
+                <a16:creationId xmlns="" xmlns:a16="http://schemas.microsoft.com/office/drawing/2014/main" id="{9255B662-7EF7-49B8-9609-DCAA2E2E2F16}"/>
               </a:ext>
             </a:extLst>
           </p:cNvPr>
@@ -13791,7 +13948,7 @@
           <p:cNvPr id="13" name="Connector: Elbow 12">
             <a:extLst>
               <a:ext uri="{FF2B5EF4-FFF2-40B4-BE49-F238E27FC236}">
-                <a16:creationId xmlns:a16="http://schemas.microsoft.com/office/drawing/2014/main" xmlns="" id="{9D4F2BE5-B501-4B48-B157-721BDE1EBEA5}"/>
+                <a16:creationId xmlns="" xmlns:a16="http://schemas.microsoft.com/office/drawing/2014/main" id="{9D4F2BE5-B501-4B48-B157-721BDE1EBEA5}"/>
               </a:ext>
             </a:extLst>
           </p:cNvPr>
@@ -13836,7 +13993,7 @@
           <p:cNvPr id="15" name="Connector: Elbow 14">
             <a:extLst>
               <a:ext uri="{FF2B5EF4-FFF2-40B4-BE49-F238E27FC236}">
-                <a16:creationId xmlns:a16="http://schemas.microsoft.com/office/drawing/2014/main" xmlns="" id="{98EF6F0D-07AE-4578-AD23-E3EE66DBE303}"/>
+                <a16:creationId xmlns="" xmlns:a16="http://schemas.microsoft.com/office/drawing/2014/main" id="{98EF6F0D-07AE-4578-AD23-E3EE66DBE303}"/>
               </a:ext>
             </a:extLst>
           </p:cNvPr>
@@ -13995,7 +14152,7 @@
           <p:cNvPr id="6" name="Oval 5">
             <a:extLst>
               <a:ext uri="{FF2B5EF4-FFF2-40B4-BE49-F238E27FC236}">
-                <a16:creationId xmlns:a16="http://schemas.microsoft.com/office/drawing/2014/main" xmlns="" id="{5E2B26C3-02FB-4932-8E3C-C6F38D8FCB26}"/>
+                <a16:creationId xmlns="" xmlns:a16="http://schemas.microsoft.com/office/drawing/2014/main" id="{5E2B26C3-02FB-4932-8E3C-C6F38D8FCB26}"/>
               </a:ext>
             </a:extLst>
           </p:cNvPr>
@@ -14047,7 +14204,7 @@
           <p:cNvPr id="8" name="Oval 7">
             <a:extLst>
               <a:ext uri="{FF2B5EF4-FFF2-40B4-BE49-F238E27FC236}">
-                <a16:creationId xmlns:a16="http://schemas.microsoft.com/office/drawing/2014/main" xmlns="" id="{962CE456-96FF-4BBA-9913-6AE1EC717CC6}"/>
+                <a16:creationId xmlns="" xmlns:a16="http://schemas.microsoft.com/office/drawing/2014/main" id="{962CE456-96FF-4BBA-9913-6AE1EC717CC6}"/>
               </a:ext>
             </a:extLst>
           </p:cNvPr>
@@ -14155,7 +14312,7 @@
           <p:cNvPr id="9" name="Oval 8">
             <a:extLst>
               <a:ext uri="{FF2B5EF4-FFF2-40B4-BE49-F238E27FC236}">
-                <a16:creationId xmlns:a16="http://schemas.microsoft.com/office/drawing/2014/main" xmlns="" id="{9255B662-7EF7-49B8-9609-DCAA2E2E2F16}"/>
+                <a16:creationId xmlns="" xmlns:a16="http://schemas.microsoft.com/office/drawing/2014/main" id="{9255B662-7EF7-49B8-9609-DCAA2E2E2F16}"/>
               </a:ext>
             </a:extLst>
           </p:cNvPr>
@@ -14283,7 +14440,7 @@
           <p:cNvPr id="16" name="Oval 15">
             <a:extLst>
               <a:ext uri="{FF2B5EF4-FFF2-40B4-BE49-F238E27FC236}">
-                <a16:creationId xmlns:a16="http://schemas.microsoft.com/office/drawing/2014/main" xmlns="" id="{6156733C-2AA6-4654-947D-675A9EE69C23}"/>
+                <a16:creationId xmlns="" xmlns:a16="http://schemas.microsoft.com/office/drawing/2014/main" id="{6156733C-2AA6-4654-947D-675A9EE69C23}"/>
               </a:ext>
             </a:extLst>
           </p:cNvPr>
@@ -14399,7 +14556,7 @@
           <p:cNvPr id="17" name="Straight Arrow Connector 16">
             <a:extLst>
               <a:ext uri="{FF2B5EF4-FFF2-40B4-BE49-F238E27FC236}">
-                <a16:creationId xmlns:a16="http://schemas.microsoft.com/office/drawing/2014/main" xmlns="" id="{87F3B01C-047C-47D9-9DB0-84BDFB014791}"/>
+                <a16:creationId xmlns="" xmlns:a16="http://schemas.microsoft.com/office/drawing/2014/main" id="{87F3B01C-047C-47D9-9DB0-84BDFB014791}"/>
               </a:ext>
             </a:extLst>
           </p:cNvPr>
@@ -14445,7 +14602,7 @@
           <p:cNvPr id="19" name="Straight Arrow Connector 18">
             <a:extLst>
               <a:ext uri="{FF2B5EF4-FFF2-40B4-BE49-F238E27FC236}">
-                <a16:creationId xmlns:a16="http://schemas.microsoft.com/office/drawing/2014/main" xmlns="" id="{B330FB09-8EAF-430E-928F-1655FBB162AC}"/>
+                <a16:creationId xmlns="" xmlns:a16="http://schemas.microsoft.com/office/drawing/2014/main" id="{B330FB09-8EAF-430E-928F-1655FBB162AC}"/>
               </a:ext>
             </a:extLst>
           </p:cNvPr>
@@ -14491,7 +14648,7 @@
           <p:cNvPr id="22" name="Straight Arrow Connector 21">
             <a:extLst>
               <a:ext uri="{FF2B5EF4-FFF2-40B4-BE49-F238E27FC236}">
-                <a16:creationId xmlns:a16="http://schemas.microsoft.com/office/drawing/2014/main" xmlns="" id="{CB7E6CFD-9920-4668-ADA1-BDEB5AABF9E9}"/>
+                <a16:creationId xmlns="" xmlns:a16="http://schemas.microsoft.com/office/drawing/2014/main" id="{CB7E6CFD-9920-4668-ADA1-BDEB5AABF9E9}"/>
               </a:ext>
             </a:extLst>
           </p:cNvPr>
@@ -15038,7 +15195,7 @@
           <p:cNvPr id="6" name="Text Placeholder 6">
             <a:extLst>
               <a:ext uri="{FF2B5EF4-FFF2-40B4-BE49-F238E27FC236}">
-                <a16:creationId xmlns:a16="http://schemas.microsoft.com/office/drawing/2014/main" xmlns="" id="{528C62E5-79BE-47C2-B74B-D4C368A5BD93}"/>
+                <a16:creationId xmlns="" xmlns:a16="http://schemas.microsoft.com/office/drawing/2014/main" id="{528C62E5-79BE-47C2-B74B-D4C368A5BD93}"/>
               </a:ext>
             </a:extLst>
           </p:cNvPr>
